--- a/src/main/resources/はまる！JPA（初学者向けライト版）.pptx
+++ b/src/main/resources/はまる！JPA（初学者向けライト版）.pptx
@@ -27263,15 +27263,7 @@
                   <a:schemeClr val="tx1"/>
                 </a:solidFill>
               </a:rPr>
-              <a:t>の部署</a:t>
-            </a:r>
-            <a:r>
-              <a:rPr lang="ja-JP" altLang="en-US" sz="2400" dirty="0" smtClean="0">
-                <a:solidFill>
-                  <a:schemeClr val="tx1"/>
-                </a:solidFill>
-              </a:rPr>
-              <a:t>を削除</a:t>
+              <a:t>の部署を削除</a:t>
             </a:r>
             <a:endParaRPr kumimoji="1" lang="ja-JP" altLang="en-US" sz="2400" dirty="0">
               <a:solidFill>
@@ -29517,34 +29509,52 @@
           <a:p>
             <a:r>
               <a:rPr kumimoji="1" lang="ja-JP" altLang="en-US" dirty="0" smtClean="0"/>
-              <a:t>自動</a:t>
+              <a:t>自動生成時に、デフォルトで</a:t>
+            </a:r>
+            <a:r>
+              <a:rPr kumimoji="1" lang="en-US" altLang="ja-JP" b="1" dirty="0" err="1" smtClean="0">
+                <a:solidFill>
+                  <a:srgbClr val="FF0000"/>
+                </a:solidFill>
+              </a:rPr>
+              <a:t>CascadeType.ALL</a:t>
             </a:r>
             <a:r>
               <a:rPr kumimoji="1" lang="ja-JP" altLang="en-US" dirty="0" smtClean="0"/>
-              <a:t>生成時</a:t>
+              <a:t>になることが</a:t>
             </a:r>
             <a:r>
               <a:rPr kumimoji="1" lang="ja-JP" altLang="en-US" dirty="0" smtClean="0"/>
-              <a:t>に、デフォルトで</a:t>
-            </a:r>
-            <a:r>
-              <a:rPr kumimoji="1" lang="en-US" altLang="ja-JP" b="1" dirty="0" err="1" smtClean="0">
-                <a:solidFill>
-                  <a:srgbClr val="FF0000"/>
-                </a:solidFill>
-              </a:rPr>
-              <a:t>CascadeType.ALL</a:t>
-            </a:r>
-            <a:r>
-              <a:rPr kumimoji="1" lang="ja-JP" altLang="en-US" dirty="0" smtClean="0"/>
-              <a:t>になることがある</a:t>
+              <a:t>ある</a:t>
             </a:r>
             <a:endParaRPr kumimoji="1" lang="en-US" altLang="ja-JP" dirty="0" smtClean="0"/>
           </a:p>
           <a:p>
+            <a:endParaRPr kumimoji="1" lang="en-US" altLang="ja-JP" dirty="0" smtClean="0"/>
+          </a:p>
+          <a:p>
             <a:r>
               <a:rPr lang="ja-JP" altLang="en-US" dirty="0" smtClean="0"/>
-              <a:t>自動生成後は必ず確認しましょう！</a:t>
+              <a:t>自動生成後</a:t>
+            </a:r>
+            <a:r>
+              <a:rPr lang="ja-JP" altLang="en-US" dirty="0" smtClean="0"/>
+              <a:t>は、必ずカスケード設定を</a:t>
+            </a:r>
+            <a:r>
+              <a:rPr lang="en-US" altLang="ja-JP" dirty="0" smtClean="0"/>
+              <a:t/>
+            </a:r>
+            <a:br>
+              <a:rPr lang="en-US" altLang="ja-JP" dirty="0" smtClean="0"/>
+            </a:br>
+            <a:r>
+              <a:rPr lang="ja-JP" altLang="en-US" dirty="0" smtClean="0"/>
+              <a:t>確認</a:t>
+            </a:r>
+            <a:r>
+              <a:rPr lang="ja-JP" altLang="en-US" dirty="0" smtClean="0"/>
+              <a:t>しましょう！</a:t>
             </a:r>
             <a:endParaRPr kumimoji="1" lang="en-US" altLang="ja-JP" dirty="0" smtClean="0"/>
           </a:p>
@@ -32406,8 +32416,16 @@
               <a:rPr kumimoji="1" lang="en-US" altLang="ja-JP" dirty="0" smtClean="0"/>
             </a:br>
             <a:r>
+              <a:rPr kumimoji="1" lang="en-US" altLang="ja-JP" dirty="0" smtClean="0"/>
+              <a:t>FROM</a:t>
+            </a:r>
+            <a:r>
               <a:rPr kumimoji="1" lang="ja-JP" altLang="en-US" dirty="0" smtClean="0"/>
-              <a:t>別名が必須（</a:t>
+              <a:t>句に別名</a:t>
+            </a:r>
+            <a:r>
+              <a:rPr kumimoji="1" lang="ja-JP" altLang="en-US" dirty="0" smtClean="0"/>
+              <a:t>が必須（</a:t>
             </a:r>
             <a:r>
               <a:rPr lang="ja-JP" altLang="en-US" dirty="0" smtClean="0"/>
@@ -33661,8 +33679,8 @@
         </p:nvSpPr>
         <p:spPr>
           <a:xfrm>
-            <a:off x="5915406" y="79987"/>
-            <a:ext cx="3152394" cy="1270862"/>
+            <a:off x="6172200" y="79987"/>
+            <a:ext cx="2895600" cy="1270862"/>
           </a:xfrm>
           <a:prstGeom prst="wedgeRoundRectCallout">
             <a:avLst>
@@ -33764,34 +33782,45 @@
           <a:p>
             <a:pPr algn="ctr"/>
             <a:r>
+              <a:rPr kumimoji="1" lang="ja-JP" altLang="en-US" sz="2400" dirty="0" smtClean="0">
+                <a:solidFill>
+                  <a:schemeClr val="tx1"/>
+                </a:solidFill>
+              </a:rPr>
+              <a:t>考えた</a:t>
+            </a:r>
+            <a:r>
+              <a:rPr lang="ja-JP" altLang="en-US" sz="2400" dirty="0">
+                <a:solidFill>
+                  <a:schemeClr val="tx1"/>
+                </a:solidFill>
+              </a:rPr>
+              <a:t>方</a:t>
+            </a:r>
+            <a:r>
+              <a:rPr kumimoji="1" lang="ja-JP" altLang="en-US" sz="2400" dirty="0" smtClean="0">
+                <a:solidFill>
+                  <a:schemeClr val="tx1"/>
+                </a:solidFill>
+              </a:rPr>
+              <a:t>が</a:t>
+            </a:r>
+            <a:r>
+              <a:rPr kumimoji="1" lang="ja-JP" altLang="en-US" sz="2400" dirty="0" smtClean="0">
+                <a:solidFill>
+                  <a:schemeClr val="tx1"/>
+                </a:solidFill>
+              </a:rPr>
+              <a:t>いい</a:t>
+            </a:r>
+            <a:r>
               <a:rPr kumimoji="1" lang="ja-JP" altLang="en-US" sz="2400" dirty="0">
                 <a:solidFill>
                   <a:schemeClr val="tx1"/>
                 </a:solidFill>
               </a:rPr>
-              <a:t>考</a:t>
-            </a:r>
-            <a:r>
-              <a:rPr kumimoji="1" lang="ja-JP" altLang="en-US" sz="2400" dirty="0" smtClean="0">
-                <a:solidFill>
-                  <a:schemeClr val="tx1"/>
-                </a:solidFill>
-              </a:rPr>
-              <a:t>えたほうがいい</a:t>
-            </a:r>
-            <a:r>
-              <a:rPr kumimoji="1" lang="ja-JP" altLang="en-US" sz="2400" dirty="0">
-                <a:solidFill>
-                  <a:schemeClr val="tx1"/>
-                </a:solidFill>
-              </a:rPr>
               <a:t>！</a:t>
             </a:r>
-            <a:endParaRPr kumimoji="1" lang="ja-JP" altLang="en-US" sz="2400" dirty="0">
-              <a:solidFill>
-                <a:schemeClr val="tx1"/>
-              </a:solidFill>
-            </a:endParaRPr>
           </a:p>
         </p:txBody>
       </p:sp>

--- a/src/main/resources/はまる！JPA（初学者向けライト版）.pptx
+++ b/src/main/resources/はまる！JPA（初学者向けライト版）.pptx
@@ -7372,6 +7372,47 @@
           </a:p>
         </p:txBody>
       </p:sp>
+      <p:pic>
+        <p:nvPicPr>
+          <p:cNvPr id="6" name="Picture 2" descr="http://ja.netbeans.org/nekobean/nekobean_smile_s.png"/>
+          <p:cNvPicPr>
+            <a:picLocks noChangeAspect="1" noChangeArrowheads="1"/>
+          </p:cNvPicPr>
+          <p:nvPr/>
+        </p:nvPicPr>
+        <p:blipFill>
+          <a:blip r:embed="rId2">
+            <a:extLst>
+              <a:ext uri="{28A0092B-C50C-407E-A947-70E740481C1C}">
+                <a14:useLocalDpi xmlns:a14="http://schemas.microsoft.com/office/drawing/2010/main" val="0"/>
+              </a:ext>
+            </a:extLst>
+          </a:blip>
+          <a:srcRect/>
+          <a:stretch>
+            <a:fillRect/>
+          </a:stretch>
+        </p:blipFill>
+        <p:spPr bwMode="auto">
+          <a:xfrm>
+            <a:off x="6883572" y="250938"/>
+            <a:ext cx="2073409" cy="1679462"/>
+          </a:xfrm>
+          <a:prstGeom prst="rect">
+            <a:avLst/>
+          </a:prstGeom>
+          <a:noFill/>
+          <a:extLst>
+            <a:ext uri="{909E8E84-426E-40DD-AFC4-6F175D3DCCD1}">
+              <a14:hiddenFill xmlns:a14="http://schemas.microsoft.com/office/drawing/2010/main">
+                <a:solidFill>
+                  <a:srgbClr val="FFFFFF"/>
+                </a:solidFill>
+              </a14:hiddenFill>
+            </a:ext>
+          </a:extLst>
+        </p:spPr>
+      </p:pic>
     </p:spTree>
     <p:extLst>
       <p:ext uri="{BB962C8B-B14F-4D97-AF65-F5344CB8AC3E}">
@@ -17260,7 +17301,7 @@
         <p:spPr/>
         <p:txBody>
           <a:bodyPr>
-            <a:normAutofit fontScale="92500" lnSpcReduction="10000"/>
+            <a:normAutofit fontScale="92500" lnSpcReduction="20000"/>
           </a:bodyPr>
           <a:lstStyle/>
           <a:p>
@@ -17273,8 +17314,32 @@
           <a:p>
             <a:pPr lvl="1"/>
             <a:r>
+              <a:rPr lang="en-US" altLang="ja-JP" dirty="0" smtClean="0"/>
+              <a:t>(</a:t>
+            </a:r>
+            <a:r>
               <a:rPr lang="ja-JP" altLang="en-US" dirty="0" smtClean="0"/>
-              <a:t>大阪出身、香川育ちの</a:t>
+              <a:t>株</a:t>
+            </a:r>
+            <a:r>
+              <a:rPr lang="en-US" altLang="ja-JP" dirty="0" smtClean="0"/>
+              <a:t>)</a:t>
+            </a:r>
+            <a:r>
+              <a:rPr lang="ja-JP" altLang="en-US" dirty="0" smtClean="0"/>
+              <a:t>カサレアル</a:t>
+            </a:r>
+            <a:endParaRPr lang="en-US" altLang="ja-JP" dirty="0" smtClean="0"/>
+          </a:p>
+          <a:p>
+            <a:pPr lvl="1"/>
+            <a:r>
+              <a:rPr lang="ja-JP" altLang="en-US" dirty="0" smtClean="0"/>
+              <a:t>大阪</a:t>
+            </a:r>
+            <a:r>
+              <a:rPr lang="ja-JP" altLang="en-US" dirty="0" smtClean="0"/>
+              <a:t>出身、香川育ちの</a:t>
             </a:r>
             <a:r>
               <a:rPr lang="en-US" altLang="ja-JP" dirty="0" smtClean="0"/>
@@ -29521,11 +29586,7 @@
             </a:r>
             <a:r>
               <a:rPr kumimoji="1" lang="ja-JP" altLang="en-US" dirty="0" smtClean="0"/>
-              <a:t>になることが</a:t>
-            </a:r>
-            <a:r>
-              <a:rPr kumimoji="1" lang="ja-JP" altLang="en-US" dirty="0" smtClean="0"/>
-              <a:t>ある</a:t>
+              <a:t>になることがある</a:t>
             </a:r>
             <a:endParaRPr kumimoji="1" lang="en-US" altLang="ja-JP" dirty="0" smtClean="0"/>
           </a:p>
@@ -29535,11 +29596,7 @@
           <a:p>
             <a:r>
               <a:rPr lang="ja-JP" altLang="en-US" dirty="0" smtClean="0"/>
-              <a:t>自動生成後</a:t>
-            </a:r>
-            <a:r>
-              <a:rPr lang="ja-JP" altLang="en-US" dirty="0" smtClean="0"/>
-              <a:t>は、必ずカスケード設定を</a:t>
+              <a:t>自動生成後は、必ずカスケード設定を</a:t>
             </a:r>
             <a:r>
               <a:rPr lang="en-US" altLang="ja-JP" dirty="0" smtClean="0"/>
@@ -29550,11 +29607,7 @@
             </a:br>
             <a:r>
               <a:rPr lang="ja-JP" altLang="en-US" dirty="0" smtClean="0"/>
-              <a:t>確認</a:t>
-            </a:r>
-            <a:r>
-              <a:rPr lang="ja-JP" altLang="en-US" dirty="0" smtClean="0"/>
-              <a:t>しましょう！</a:t>
+              <a:t>確認しましょう！</a:t>
             </a:r>
             <a:endParaRPr kumimoji="1" lang="en-US" altLang="ja-JP" dirty="0" smtClean="0"/>
           </a:p>
@@ -32421,11 +32474,7 @@
             </a:r>
             <a:r>
               <a:rPr kumimoji="1" lang="ja-JP" altLang="en-US" dirty="0" smtClean="0"/>
-              <a:t>句に別名</a:t>
-            </a:r>
-            <a:r>
-              <a:rPr kumimoji="1" lang="ja-JP" altLang="en-US" dirty="0" smtClean="0"/>
-              <a:t>が必須（</a:t>
+              <a:t>句に別名が必須（</a:t>
             </a:r>
             <a:r>
               <a:rPr lang="ja-JP" altLang="en-US" dirty="0" smtClean="0"/>
@@ -33803,15 +33852,7 @@
                   <a:schemeClr val="tx1"/>
                 </a:solidFill>
               </a:rPr>
-              <a:t>が</a:t>
-            </a:r>
-            <a:r>
-              <a:rPr kumimoji="1" lang="ja-JP" altLang="en-US" sz="2400" dirty="0" smtClean="0">
-                <a:solidFill>
-                  <a:schemeClr val="tx1"/>
-                </a:solidFill>
-              </a:rPr>
-              <a:t>いい</a:t>
+              <a:t>がいい</a:t>
             </a:r>
             <a:r>
               <a:rPr kumimoji="1" lang="ja-JP" altLang="en-US" sz="2400" dirty="0">
@@ -35504,6 +35545,13 @@
   <p:clrMapOvr>
     <a:masterClrMapping/>
   </p:clrMapOvr>
+  <p:timing>
+    <p:tnLst>
+      <p:par>
+        <p:cTn id="1" dur="indefinite" restart="never" nodeType="tmRoot"/>
+      </p:par>
+    </p:tnLst>
+  </p:timing>
 </p:sld>
 </file>
 
@@ -35849,7 +35897,7 @@
         <p:spPr/>
         <p:txBody>
           <a:bodyPr>
-            <a:normAutofit/>
+            <a:normAutofit lnSpcReduction="10000"/>
           </a:bodyPr>
           <a:lstStyle/>
           <a:p>
@@ -35918,7 +35966,31 @@
             </a:r>
             <a:r>
               <a:rPr kumimoji="1" lang="ja-JP" altLang="en-US" dirty="0" smtClean="0"/>
-              <a:t>さん）</a:t>
+              <a:t>さん</a:t>
+            </a:r>
+            <a:r>
+              <a:rPr kumimoji="1" lang="ja-JP" altLang="en-US" dirty="0" smtClean="0"/>
+              <a:t>）</a:t>
+            </a:r>
+            <a:endParaRPr kumimoji="1" lang="en-US" altLang="ja-JP" dirty="0" smtClean="0"/>
+          </a:p>
+          <a:p>
+            <a:pPr lvl="1"/>
+            <a:r>
+              <a:rPr lang="en-US" altLang="ja-JP" dirty="0" smtClean="0"/>
+              <a:t>JPA</a:t>
+            </a:r>
+            <a:r>
+              <a:rPr lang="ja-JP" altLang="en-US" dirty="0" smtClean="0"/>
+              <a:t>の同時実行制御とロック（</a:t>
+            </a:r>
+            <a:r>
+              <a:rPr lang="ja-JP" altLang="en-US" dirty="0"/>
+              <a:t>拙著</a:t>
+            </a:r>
+            <a:r>
+              <a:rPr lang="ja-JP" altLang="en-US" dirty="0" smtClean="0"/>
+              <a:t>）</a:t>
             </a:r>
             <a:endParaRPr kumimoji="1" lang="en-US" altLang="ja-JP" dirty="0" smtClean="0"/>
           </a:p>
